--- a/PPT/Introduction To Python Day 4.pptx
+++ b/PPT/Introduction To Python Day 4.pptx
@@ -279,7 +279,7 @@
             <a:fld id="{6E5FB1B1-8ECF-4161-91D4-0AB97A4DAD52}" type="datetimeFigureOut">
               <a:rPr lang="en-GB" smtClean="0"/>
               <a:pPr/>
-              <a:t>08/08/2018</a:t>
+              <a:t>13/11/2018</a:t>
             </a:fld>
             <a:endParaRPr lang="en-GB"/>
           </a:p>
@@ -447,7 +447,7 @@
             <a:fld id="{6D778BAB-19BB-4B08-9F41-8B8D270E8CBF}" type="datetimeFigureOut">
               <a:rPr lang="en-GB" smtClean="0"/>
               <a:pPr/>
-              <a:t>08/08/2018</a:t>
+              <a:t>13/11/2018</a:t>
             </a:fld>
             <a:endParaRPr lang="en-GB"/>
           </a:p>
@@ -2038,14 +2038,14 @@
           <a:effectLst/>
           <a:extLst>
             <a:ext uri="{909E8E84-426E-40dd-AFC4-6F175D3DCCD1}">
-              <a14:hiddenFill xmlns:a14="http://schemas.microsoft.com/office/drawing/2010/main" xmlns="">
+              <a14:hiddenFill xmlns="" xmlns:a14="http://schemas.microsoft.com/office/drawing/2010/main">
                 <a:solidFill>
                   <a:schemeClr val="accent1"/>
                 </a:solidFill>
               </a14:hiddenFill>
             </a:ext>
             <a:ext uri="{91240B29-F687-4f45-9708-019B960494DF}">
-              <a14:hiddenLine xmlns:a14="http://schemas.microsoft.com/office/drawing/2010/main" xmlns="" w="9525">
+              <a14:hiddenLine xmlns="" xmlns:a14="http://schemas.microsoft.com/office/drawing/2010/main" w="9525">
                 <a:solidFill>
                   <a:schemeClr val="tx1"/>
                 </a:solidFill>
@@ -2055,7 +2055,7 @@
               </a14:hiddenLine>
             </a:ext>
             <a:ext uri="{AF507438-7753-43e0-B8FC-AC1667EBCBE1}">
-              <a14:hiddenEffects xmlns:a14="http://schemas.microsoft.com/office/drawing/2010/main" xmlns="">
+              <a14:hiddenEffects xmlns="" xmlns:a14="http://schemas.microsoft.com/office/drawing/2010/main">
                 <a:effectLst>
                   <a:outerShdw dist="35921" dir="2700000" algn="ctr" rotWithShape="0">
                     <a:schemeClr val="bg2"/>
@@ -2470,14 +2470,14 @@
           <a:effectLst/>
           <a:extLst>
             <a:ext uri="{909E8E84-426E-40dd-AFC4-6F175D3DCCD1}">
-              <a14:hiddenFill xmlns:a14="http://schemas.microsoft.com/office/drawing/2010/main" xmlns="">
+              <a14:hiddenFill xmlns="" xmlns:a14="http://schemas.microsoft.com/office/drawing/2010/main">
                 <a:solidFill>
                   <a:schemeClr val="accent1"/>
                 </a:solidFill>
               </a14:hiddenFill>
             </a:ext>
             <a:ext uri="{91240B29-F687-4f45-9708-019B960494DF}">
-              <a14:hiddenLine xmlns:a14="http://schemas.microsoft.com/office/drawing/2010/main" xmlns="" w="9525">
+              <a14:hiddenLine xmlns="" xmlns:a14="http://schemas.microsoft.com/office/drawing/2010/main" w="9525">
                 <a:solidFill>
                   <a:schemeClr val="tx1"/>
                 </a:solidFill>
@@ -2487,7 +2487,7 @@
               </a14:hiddenLine>
             </a:ext>
             <a:ext uri="{AF507438-7753-43e0-B8FC-AC1667EBCBE1}">
-              <a14:hiddenEffects xmlns:a14="http://schemas.microsoft.com/office/drawing/2010/main" xmlns="">
+              <a14:hiddenEffects xmlns="" xmlns:a14="http://schemas.microsoft.com/office/drawing/2010/main">
                 <a:effectLst>
                   <a:outerShdw dist="35921" dir="2700000" algn="ctr" rotWithShape="0">
                     <a:schemeClr val="bg2"/>
@@ -2866,7 +2866,7 @@
             <a:fld id="{7C4F617C-02C9-A546-8BA1-44871C7A2EF5}" type="datetime3">
               <a:rPr lang="fr-FR" smtClean="0"/>
               <a:pPr/>
-              <a:t>08.08.18</a:t>
+              <a:t>13.11.18</a:t>
             </a:fld>
             <a:endParaRPr lang="en-GB" dirty="0"/>
           </a:p>
@@ -3144,7 +3144,7 @@
             <a:fld id="{7C4F617C-02C9-A546-8BA1-44871C7A2EF5}" type="datetime3">
               <a:rPr lang="fr-FR" smtClean="0"/>
               <a:pPr/>
-              <a:t>08.08.18</a:t>
+              <a:t>13.11.18</a:t>
             </a:fld>
             <a:endParaRPr lang="en-GB" dirty="0"/>
           </a:p>
@@ -3521,7 +3521,7 @@
             <a:fld id="{7C4F617C-02C9-A546-8BA1-44871C7A2EF5}" type="datetime3">
               <a:rPr lang="fr-FR" smtClean="0"/>
               <a:pPr/>
-              <a:t>08.08.18</a:t>
+              <a:t>13.11.18</a:t>
             </a:fld>
             <a:endParaRPr lang="en-GB" dirty="0"/>
           </a:p>
@@ -3721,7 +3721,7 @@
             <a:fld id="{7C4F617C-02C9-A546-8BA1-44871C7A2EF5}" type="datetime3">
               <a:rPr lang="fr-FR" smtClean="0"/>
               <a:pPr/>
-              <a:t>08.08.18</a:t>
+              <a:t>13.11.18</a:t>
             </a:fld>
             <a:endParaRPr lang="en-GB" dirty="0"/>
           </a:p>
@@ -4164,7 +4164,7 @@
             <a:fld id="{7C4F617C-02C9-A546-8BA1-44871C7A2EF5}" type="datetime3">
               <a:rPr lang="fr-FR" smtClean="0"/>
               <a:pPr/>
-              <a:t>08.08.18</a:t>
+              <a:t>13.11.18</a:t>
             </a:fld>
             <a:endParaRPr lang="en-GB" dirty="0"/>
           </a:p>
@@ -4883,7 +4883,7 @@
             <a:fld id="{7C4F617C-02C9-A546-8BA1-44871C7A2EF5}" type="datetime3">
               <a:rPr lang="fr-FR" smtClean="0"/>
               <a:pPr/>
-              <a:t>08.08.18</a:t>
+              <a:t>13.11.18</a:t>
             </a:fld>
             <a:endParaRPr lang="en-GB" dirty="0"/>
           </a:p>
@@ -8373,7 +8373,7 @@
             <a:fld id="{7C4F617C-02C9-A546-8BA1-44871C7A2EF5}" type="datetime3">
               <a:rPr lang="fr-FR" smtClean="0"/>
               <a:pPr/>
-              <a:t>08.08.18</a:t>
+              <a:t>13.11.18</a:t>
             </a:fld>
             <a:endParaRPr lang="en-GB" dirty="0"/>
           </a:p>
@@ -8678,7 +8678,7 @@
             <a:fld id="{7C4F617C-02C9-A546-8BA1-44871C7A2EF5}" type="datetime3">
               <a:rPr lang="fr-FR" smtClean="0"/>
               <a:pPr/>
-              <a:t>08.08.18</a:t>
+              <a:t>13.11.18</a:t>
             </a:fld>
             <a:endParaRPr lang="en-GB" dirty="0"/>
           </a:p>
@@ -8972,7 +8972,7 @@
             <a:fld id="{7C4F617C-02C9-A546-8BA1-44871C7A2EF5}" type="datetime3">
               <a:rPr lang="fr-FR" smtClean="0"/>
               <a:pPr/>
-              <a:t>08.08.18</a:t>
+              <a:t>13.11.18</a:t>
             </a:fld>
             <a:endParaRPr lang="en-GB" dirty="0"/>
           </a:p>
@@ -9282,7 +9282,7 @@
             <a:fld id="{7C4F617C-02C9-A546-8BA1-44871C7A2EF5}" type="datetime3">
               <a:rPr lang="fr-FR" smtClean="0"/>
               <a:pPr/>
-              <a:t>08.08.18</a:t>
+              <a:t>13.11.18</a:t>
             </a:fld>
             <a:endParaRPr lang="en-GB" dirty="0"/>
           </a:p>
@@ -9612,7 +9612,7 @@
             <a:fld id="{7C4F617C-02C9-A546-8BA1-44871C7A2EF5}" type="datetime3">
               <a:rPr lang="fr-FR" smtClean="0"/>
               <a:pPr/>
-              <a:t>08.08.18</a:t>
+              <a:t>13.11.18</a:t>
             </a:fld>
             <a:endParaRPr lang="en-GB" dirty="0"/>
           </a:p>
@@ -9829,7 +9829,7 @@
             <a:fld id="{7C4F617C-02C9-A546-8BA1-44871C7A2EF5}" type="datetime3">
               <a:rPr lang="fr-FR" smtClean="0"/>
               <a:pPr/>
-              <a:t>08.08.18</a:t>
+              <a:t>13.11.18</a:t>
             </a:fld>
             <a:endParaRPr lang="en-GB" dirty="0"/>
           </a:p>
@@ -9996,7 +9996,7 @@
             <a:fld id="{7C4F617C-02C9-A546-8BA1-44871C7A2EF5}" type="datetime3">
               <a:rPr lang="fr-FR" smtClean="0"/>
               <a:pPr/>
-              <a:t>08.08.18</a:t>
+              <a:t>13.11.18</a:t>
             </a:fld>
             <a:endParaRPr lang="en-GB" dirty="0"/>
           </a:p>
@@ -10292,7 +10292,7 @@
             <a:fld id="{7C4F617C-02C9-A546-8BA1-44871C7A2EF5}" type="datetime3">
               <a:rPr lang="fr-FR" smtClean="0"/>
               <a:pPr/>
-              <a:t>08.08.18</a:t>
+              <a:t>13.11.18</a:t>
             </a:fld>
             <a:endParaRPr lang="en-GB" dirty="0"/>
           </a:p>
@@ -10665,7 +10665,7 @@
             <a:fld id="{7C4F617C-02C9-A546-8BA1-44871C7A2EF5}" type="datetime3">
               <a:rPr lang="fr-FR" smtClean="0"/>
               <a:pPr/>
-              <a:t>08.08.18</a:t>
+              <a:t>13.11.18</a:t>
             </a:fld>
             <a:endParaRPr lang="en-GB" dirty="0"/>
           </a:p>
@@ -10857,7 +10857,7 @@
             <a:fld id="{7C4F617C-02C9-A546-8BA1-44871C7A2EF5}" type="datetime3">
               <a:rPr lang="fr-FR" smtClean="0"/>
               <a:pPr/>
-              <a:t>08.08.18</a:t>
+              <a:t>13.11.18</a:t>
             </a:fld>
             <a:endParaRPr lang="en-GB" dirty="0"/>
           </a:p>
@@ -11106,7 +11106,7 @@
             <a:fld id="{7C4F617C-02C9-A546-8BA1-44871C7A2EF5}" type="datetime3">
               <a:rPr lang="fr-FR" smtClean="0"/>
               <a:pPr/>
-              <a:t>08.08.18</a:t>
+              <a:t>13.11.18</a:t>
             </a:fld>
             <a:endParaRPr lang="en-GB" dirty="0"/>
           </a:p>
@@ -12094,6 +12094,15 @@
 </file>
 
 <file path=customXml/item1.xml><?xml version="1.0" encoding="utf-8"?>
+<?mso-contentType ?>
+<FormTemplates xmlns="http://schemas.microsoft.com/sharepoint/v3/contenttype/forms">
+  <Display>DocumentLibraryForm</Display>
+  <Edit>DocumentLibraryForm</Edit>
+  <New>DocumentLibraryForm</New>
+</FormTemplates>
+</file>
+
+<file path=customXml/item2.xml><?xml version="1.0" encoding="utf-8"?>
 <ct:contentTypeSchema xmlns:ct="http://schemas.microsoft.com/office/2006/metadata/contentType" xmlns:ma="http://schemas.microsoft.com/office/2006/metadata/properties/metaAttributes" ct:_="" ma:_="" ma:contentTypeName="GTO_Document" ma:contentTypeID="0x010100D7F8A06F9445A0418776AB191A4256570028218CAD13ABD047B02448080829652A" ma:contentTypeVersion="2" ma:contentTypeDescription="Create a new document." ma:contentTypeScope="" ma:versionID="58203ebcfb11fded185d85d03c72e473">
   <xsd:schema xmlns:xsd="http://www.w3.org/2001/XMLSchema" xmlns:xs="http://www.w3.org/2001/XMLSchema" xmlns:p="http://schemas.microsoft.com/office/2006/metadata/properties" xmlns:ns2="8282a9b7-e4e4-4f6d-8f4e-c78518658f0e" targetNamespace="http://schemas.microsoft.com/office/2006/metadata/properties" ma:root="true" ma:fieldsID="a996441e457dcfe129be60e4ee063467" ns2:_="">
     <xsd:import namespace="8282a9b7-e4e4-4f6d-8f4e-c78518658f0e"/>
@@ -12245,15 +12254,6 @@
 </ct:contentTypeSchema>
 </file>
 
-<file path=customXml/item2.xml><?xml version="1.0" encoding="utf-8"?>
-<?mso-contentType ?>
-<FormTemplates xmlns="http://schemas.microsoft.com/sharepoint/v3/contenttype/forms">
-  <Display>DocumentLibraryForm</Display>
-  <Edit>DocumentLibraryForm</Edit>
-  <New>DocumentLibraryForm</New>
-</FormTemplates>
-</file>
-
 <file path=customXml/item3.xml><?xml version="1.0" encoding="utf-8"?>
 <p:properties xmlns:p="http://schemas.microsoft.com/office/2006/metadata/properties" xmlns:xsi="http://www.w3.org/2001/XMLSchema-instance" xmlns:pc="http://schemas.microsoft.com/office/infopath/2007/PartnerControls">
   <documentManagement>
@@ -12266,6 +12266,14 @@
 </file>
 
 <file path=customXml/itemProps1.xml><?xml version="1.0" encoding="utf-8"?>
+<ds:datastoreItem xmlns:ds="http://schemas.openxmlformats.org/officeDocument/2006/customXml" ds:itemID="{99EF5B5B-534A-477E-B977-D41C6881E22C}">
+  <ds:schemaRefs>
+    <ds:schemaRef ds:uri="http://schemas.microsoft.com/sharepoint/v3/contenttype/forms"/>
+  </ds:schemaRefs>
+</ds:datastoreItem>
+</file>
+
+<file path=customXml/itemProps2.xml><?xml version="1.0" encoding="utf-8"?>
 <ds:datastoreItem xmlns:ds="http://schemas.openxmlformats.org/officeDocument/2006/customXml" ds:itemID="{2E5AF297-7A47-4579-81E7-E3FA96FD7A1B}">
   <ds:schemaRefs>
     <ds:schemaRef ds:uri="http://schemas.microsoft.com/office/2006/metadata/contentType"/>
@@ -12279,14 +12287,6 @@
     <ds:schemaRef ds:uri="http://purl.org/dc/elements/1.1/"/>
     <ds:schemaRef ds:uri="http://purl.org/dc/terms/"/>
     <ds:schemaRef ds:uri="http://schemas.microsoft.com/internal/obd"/>
-  </ds:schemaRefs>
-</ds:datastoreItem>
-</file>
-
-<file path=customXml/itemProps2.xml><?xml version="1.0" encoding="utf-8"?>
-<ds:datastoreItem xmlns:ds="http://schemas.openxmlformats.org/officeDocument/2006/customXml" ds:itemID="{99EF5B5B-534A-477E-B977-D41C6881E22C}">
-  <ds:schemaRefs>
-    <ds:schemaRef ds:uri="http://schemas.microsoft.com/sharepoint/v3/contenttype/forms"/>
   </ds:schemaRefs>
 </ds:datastoreItem>
 </file>
